--- a/資料.pptx
+++ b/資料.pptx
@@ -10,9 +10,8 @@
     <p:sldId id="270" r:id="rId4"/>
     <p:sldId id="271" r:id="rId5"/>
     <p:sldId id="272" r:id="rId6"/>
-    <p:sldId id="274" r:id="rId7"/>
-    <p:sldId id="276" r:id="rId8"/>
-    <p:sldId id="273" r:id="rId9"/>
+    <p:sldId id="276" r:id="rId7"/>
+    <p:sldId id="273" r:id="rId8"/>
   </p:sldIdLst>
   <p:sldSz cx="9906000" cy="6858000" type="A4"/>
   <p:notesSz cx="6858000" cy="9144000"/>
@@ -356,7 +355,7 @@
           <a:p>
             <a:fld id="{C8C86EA8-501C-49A8-B3AB-1E24D26E12AA}" type="datetimeFigureOut">
               <a:rPr kumimoji="1" lang="ja-JP" altLang="en-US" smtClean="0"/>
-              <a:t>2025/2/21</a:t>
+              <a:t>2025/2/24</a:t>
             </a:fld>
             <a:endParaRPr kumimoji="1" lang="ja-JP" altLang="en-US"/>
           </a:p>
@@ -596,7 +595,7 @@
           <a:p>
             <a:fld id="{C8C86EA8-501C-49A8-B3AB-1E24D26E12AA}" type="datetimeFigureOut">
               <a:rPr kumimoji="1" lang="ja-JP" altLang="en-US" smtClean="0"/>
-              <a:t>2025/2/21</a:t>
+              <a:t>2025/2/24</a:t>
             </a:fld>
             <a:endParaRPr kumimoji="1" lang="ja-JP" altLang="en-US"/>
           </a:p>
@@ -884,7 +883,7 @@
           <a:p>
             <a:fld id="{C8C86EA8-501C-49A8-B3AB-1E24D26E12AA}" type="datetimeFigureOut">
               <a:rPr kumimoji="1" lang="ja-JP" altLang="en-US" smtClean="0"/>
-              <a:t>2025/2/21</a:t>
+              <a:t>2025/2/24</a:t>
             </a:fld>
             <a:endParaRPr kumimoji="1" lang="ja-JP" altLang="en-US"/>
           </a:p>
@@ -1171,7 +1170,7 @@
           <a:p>
             <a:fld id="{C8C86EA8-501C-49A8-B3AB-1E24D26E12AA}" type="datetimeFigureOut">
               <a:rPr kumimoji="1" lang="ja-JP" altLang="en-US" smtClean="0"/>
-              <a:t>2025/2/21</a:t>
+              <a:t>2025/2/24</a:t>
             </a:fld>
             <a:endParaRPr kumimoji="1" lang="ja-JP" altLang="en-US"/>
           </a:p>
@@ -1411,7 +1410,7 @@
           <a:p>
             <a:fld id="{C8C86EA8-501C-49A8-B3AB-1E24D26E12AA}" type="datetimeFigureOut">
               <a:rPr kumimoji="1" lang="ja-JP" altLang="en-US" smtClean="0"/>
-              <a:t>2025/2/21</a:t>
+              <a:t>2025/2/24</a:t>
             </a:fld>
             <a:endParaRPr kumimoji="1" lang="ja-JP" altLang="en-US"/>
           </a:p>
@@ -1754,7 +1753,7 @@
           <a:p>
             <a:fld id="{C8C86EA8-501C-49A8-B3AB-1E24D26E12AA}" type="datetimeFigureOut">
               <a:rPr kumimoji="1" lang="ja-JP" altLang="en-US" smtClean="0"/>
-              <a:t>2025/2/21</a:t>
+              <a:t>2025/2/24</a:t>
             </a:fld>
             <a:endParaRPr kumimoji="1" lang="ja-JP" altLang="en-US"/>
           </a:p>
@@ -2093,7 +2092,7 @@
           <a:p>
             <a:fld id="{C8C86EA8-501C-49A8-B3AB-1E24D26E12AA}" type="datetimeFigureOut">
               <a:rPr kumimoji="1" lang="ja-JP" altLang="en-US" smtClean="0"/>
-              <a:t>2025/2/21</a:t>
+              <a:t>2025/2/24</a:t>
             </a:fld>
             <a:endParaRPr kumimoji="1" lang="ja-JP" altLang="en-US"/>
           </a:p>
@@ -2536,7 +2535,7 @@
           <a:p>
             <a:fld id="{C8C86EA8-501C-49A8-B3AB-1E24D26E12AA}" type="datetimeFigureOut">
               <a:rPr kumimoji="1" lang="ja-JP" altLang="en-US" smtClean="0"/>
-              <a:t>2025/2/21</a:t>
+              <a:t>2025/2/24</a:t>
             </a:fld>
             <a:endParaRPr kumimoji="1" lang="ja-JP" altLang="en-US"/>
           </a:p>
@@ -2654,7 +2653,7 @@
           <a:p>
             <a:fld id="{C8C86EA8-501C-49A8-B3AB-1E24D26E12AA}" type="datetimeFigureOut">
               <a:rPr kumimoji="1" lang="ja-JP" altLang="en-US" smtClean="0"/>
-              <a:t>2025/2/21</a:t>
+              <a:t>2025/2/24</a:t>
             </a:fld>
             <a:endParaRPr kumimoji="1" lang="ja-JP" altLang="en-US"/>
           </a:p>
@@ -2825,7 +2824,7 @@
           <a:p>
             <a:fld id="{C8C86EA8-501C-49A8-B3AB-1E24D26E12AA}" type="datetimeFigureOut">
               <a:rPr kumimoji="1" lang="ja-JP" altLang="en-US" smtClean="0"/>
-              <a:t>2025/2/21</a:t>
+              <a:t>2025/2/24</a:t>
             </a:fld>
             <a:endParaRPr kumimoji="1" lang="ja-JP" altLang="en-US"/>
           </a:p>
@@ -3211,7 +3210,7 @@
           <a:p>
             <a:fld id="{C8C86EA8-501C-49A8-B3AB-1E24D26E12AA}" type="datetimeFigureOut">
               <a:rPr kumimoji="1" lang="ja-JP" altLang="en-US" smtClean="0"/>
-              <a:t>2025/2/21</a:t>
+              <a:t>2025/2/24</a:t>
             </a:fld>
             <a:endParaRPr kumimoji="1" lang="ja-JP" altLang="en-US"/>
           </a:p>
@@ -3434,7 +3433,7 @@
           <a:p>
             <a:fld id="{C8C86EA8-501C-49A8-B3AB-1E24D26E12AA}" type="datetimeFigureOut">
               <a:rPr kumimoji="1" lang="ja-JP" altLang="en-US" smtClean="0"/>
-              <a:t>2025/2/21</a:t>
+              <a:t>2025/2/24</a:t>
             </a:fld>
             <a:endParaRPr kumimoji="1" lang="ja-JP" altLang="en-US"/>
           </a:p>
@@ -3790,7 +3789,7 @@
           <a:p>
             <a:fld id="{C8C86EA8-501C-49A8-B3AB-1E24D26E12AA}" type="datetimeFigureOut">
               <a:rPr kumimoji="1" lang="ja-JP" altLang="en-US" smtClean="0"/>
-              <a:t>2025/2/21</a:t>
+              <a:t>2025/2/24</a:t>
             </a:fld>
             <a:endParaRPr kumimoji="1" lang="ja-JP" altLang="en-US"/>
           </a:p>
@@ -3992,7 +3991,7 @@
           <a:p>
             <a:fld id="{C8C86EA8-501C-49A8-B3AB-1E24D26E12AA}" type="datetimeFigureOut">
               <a:rPr kumimoji="1" lang="ja-JP" altLang="en-US" smtClean="0"/>
-              <a:t>2025/2/21</a:t>
+              <a:t>2025/2/24</a:t>
             </a:fld>
             <a:endParaRPr kumimoji="1" lang="ja-JP" altLang="en-US"/>
           </a:p>
@@ -4280,7 +4279,7 @@
           <a:p>
             <a:fld id="{C8C86EA8-501C-49A8-B3AB-1E24D26E12AA}" type="datetimeFigureOut">
               <a:rPr kumimoji="1" lang="ja-JP" altLang="en-US" smtClean="0"/>
-              <a:t>2025/2/21</a:t>
+              <a:t>2025/2/24</a:t>
             </a:fld>
             <a:endParaRPr kumimoji="1" lang="ja-JP" altLang="en-US"/>
           </a:p>
@@ -4623,7 +4622,7 @@
           <a:p>
             <a:fld id="{C8C86EA8-501C-49A8-B3AB-1E24D26E12AA}" type="datetimeFigureOut">
               <a:rPr kumimoji="1" lang="ja-JP" altLang="en-US" smtClean="0"/>
-              <a:t>2025/2/21</a:t>
+              <a:t>2025/2/24</a:t>
             </a:fld>
             <a:endParaRPr kumimoji="1" lang="ja-JP" altLang="en-US"/>
           </a:p>
@@ -4962,7 +4961,7 @@
           <a:p>
             <a:fld id="{C8C86EA8-501C-49A8-B3AB-1E24D26E12AA}" type="datetimeFigureOut">
               <a:rPr kumimoji="1" lang="ja-JP" altLang="en-US" smtClean="0"/>
-              <a:t>2025/2/21</a:t>
+              <a:t>2025/2/24</a:t>
             </a:fld>
             <a:endParaRPr kumimoji="1" lang="ja-JP" altLang="en-US"/>
           </a:p>
@@ -5405,7 +5404,7 @@
           <a:p>
             <a:fld id="{C8C86EA8-501C-49A8-B3AB-1E24D26E12AA}" type="datetimeFigureOut">
               <a:rPr kumimoji="1" lang="ja-JP" altLang="en-US" smtClean="0"/>
-              <a:t>2025/2/21</a:t>
+              <a:t>2025/2/24</a:t>
             </a:fld>
             <a:endParaRPr kumimoji="1" lang="ja-JP" altLang="en-US"/>
           </a:p>
@@ -5523,7 +5522,7 @@
           <a:p>
             <a:fld id="{C8C86EA8-501C-49A8-B3AB-1E24D26E12AA}" type="datetimeFigureOut">
               <a:rPr kumimoji="1" lang="ja-JP" altLang="en-US" smtClean="0"/>
-              <a:t>2025/2/21</a:t>
+              <a:t>2025/2/24</a:t>
             </a:fld>
             <a:endParaRPr kumimoji="1" lang="ja-JP" altLang="en-US"/>
           </a:p>
@@ -5694,7 +5693,7 @@
           <a:p>
             <a:fld id="{C8C86EA8-501C-49A8-B3AB-1E24D26E12AA}" type="datetimeFigureOut">
               <a:rPr kumimoji="1" lang="ja-JP" altLang="en-US" smtClean="0"/>
-              <a:t>2025/2/21</a:t>
+              <a:t>2025/2/24</a:t>
             </a:fld>
             <a:endParaRPr kumimoji="1" lang="ja-JP" altLang="en-US"/>
           </a:p>
@@ -6080,7 +6079,7 @@
           <a:p>
             <a:fld id="{C8C86EA8-501C-49A8-B3AB-1E24D26E12AA}" type="datetimeFigureOut">
               <a:rPr kumimoji="1" lang="ja-JP" altLang="en-US" smtClean="0"/>
-              <a:t>2025/2/21</a:t>
+              <a:t>2025/2/24</a:t>
             </a:fld>
             <a:endParaRPr kumimoji="1" lang="ja-JP" altLang="en-US"/>
           </a:p>
@@ -6457,7 +6456,7 @@
           <a:p>
             <a:fld id="{C8C86EA8-501C-49A8-B3AB-1E24D26E12AA}" type="datetimeFigureOut">
               <a:rPr kumimoji="1" lang="ja-JP" altLang="en-US" smtClean="0"/>
-              <a:t>2025/2/21</a:t>
+              <a:t>2025/2/24</a:t>
             </a:fld>
             <a:endParaRPr kumimoji="1" lang="ja-JP" altLang="en-US"/>
           </a:p>
@@ -6776,7 +6775,7 @@
           <a:p>
             <a:fld id="{C8C86EA8-501C-49A8-B3AB-1E24D26E12AA}" type="datetimeFigureOut">
               <a:rPr kumimoji="1" lang="ja-JP" altLang="en-US" smtClean="0"/>
-              <a:t>2025/2/21</a:t>
+              <a:t>2025/2/24</a:t>
             </a:fld>
             <a:endParaRPr kumimoji="1" lang="ja-JP" altLang="en-US"/>
           </a:p>
@@ -7541,7 +7540,7 @@
           <a:p>
             <a:fld id="{C8C86EA8-501C-49A8-B3AB-1E24D26E12AA}" type="datetimeFigureOut">
               <a:rPr kumimoji="1" lang="ja-JP" altLang="en-US" smtClean="0"/>
-              <a:t>2025/2/21</a:t>
+              <a:t>2025/2/24</a:t>
             </a:fld>
             <a:endParaRPr kumimoji="1" lang="ja-JP" altLang="en-US"/>
           </a:p>
@@ -8757,30 +8756,6 @@
           </a:p>
         </p:txBody>
       </p:sp>
-      <p:pic>
-        <p:nvPicPr>
-          <p:cNvPr id="3" name="図 2"/>
-          <p:cNvPicPr>
-            <a:picLocks noChangeAspect="1"/>
-          </p:cNvPicPr>
-          <p:nvPr/>
-        </p:nvPicPr>
-        <p:blipFill>
-          <a:blip r:embed="rId2"/>
-          <a:stretch>
-            <a:fillRect/>
-          </a:stretch>
-        </p:blipFill>
-        <p:spPr>
-          <a:xfrm>
-            <a:off x="365060" y="1966259"/>
-            <a:ext cx="5878634" cy="1790952"/>
-          </a:xfrm>
-          <a:prstGeom prst="rect">
-            <a:avLst/>
-          </a:prstGeom>
-        </p:spPr>
-      </p:pic>
       <p:sp>
         <p:nvSpPr>
           <p:cNvPr id="4" name="正方形/長方形 3"/>
@@ -8789,7 +8764,7 @@
         </p:nvSpPr>
         <p:spPr>
           <a:xfrm>
-            <a:off x="82808" y="3878939"/>
+            <a:off x="73478" y="3867397"/>
             <a:ext cx="4953000" cy="2279535"/>
           </a:xfrm>
           <a:prstGeom prst="rect">
@@ -8819,7 +8794,39 @@
             </a:r>
             <a:r>
               <a:rPr lang="ja-JP" altLang="en-US" dirty="0" smtClean="0"/>
-              <a:t>を実装することで、移動やスケール、回転などのアニメーションをコード内で簡単に記述できるようになります。</a:t>
+              <a:t>を実装することで、移動やスケール、回転などのアニメーション</a:t>
+            </a:r>
+            <a:r>
+              <a:rPr lang="ja-JP" altLang="en-US" dirty="0" smtClean="0"/>
+              <a:t>を</a:t>
+            </a:r>
+            <a:r>
+              <a:rPr lang="ja-JP" altLang="en-US" dirty="0" smtClean="0"/>
+              <a:t>関数を呼び出すだけ</a:t>
+            </a:r>
+            <a:r>
+              <a:rPr lang="ja-JP" altLang="en-US" dirty="0" smtClean="0"/>
+              <a:t>で</a:t>
+            </a:r>
+            <a:r>
+              <a:rPr lang="ja-JP" altLang="en-US" dirty="0" smtClean="0"/>
+              <a:t>簡単</a:t>
+            </a:r>
+            <a:r>
+              <a:rPr lang="ja-JP" altLang="en-US" dirty="0" smtClean="0"/>
+              <a:t>に</a:t>
+            </a:r>
+            <a:r>
+              <a:rPr lang="ja-JP" altLang="en-US" dirty="0"/>
+              <a:t>実装</a:t>
+            </a:r>
+            <a:r>
+              <a:rPr lang="ja-JP" altLang="en-US" dirty="0" smtClean="0"/>
+              <a:t>できる</a:t>
+            </a:r>
+            <a:r>
+              <a:rPr lang="ja-JP" altLang="en-US" dirty="0" smtClean="0"/>
+              <a:t>ようになります。</a:t>
             </a:r>
             <a:endParaRPr lang="en-US" altLang="ja-JP" dirty="0" smtClean="0"/>
           </a:p>
@@ -8858,8 +8865,8 @@
         </p:nvSpPr>
         <p:spPr>
           <a:xfrm>
-            <a:off x="4953000" y="3855856"/>
-            <a:ext cx="4953000" cy="2302618"/>
+            <a:off x="4859499" y="3867397"/>
+            <a:ext cx="4953000" cy="1223412"/>
           </a:xfrm>
           <a:prstGeom prst="rect">
             <a:avLst/>
@@ -8884,38 +8891,17 @@
             </a:pPr>
             <a:r>
               <a:rPr lang="ja-JP" altLang="en-US" dirty="0"/>
-              <a:t>イージング（</a:t>
+              <a:t>直線的 </a:t>
             </a:r>
             <a:r>
               <a:rPr lang="en-US" altLang="ja-JP" dirty="0"/>
-              <a:t>Ease In/Out</a:t>
+              <a:t>(Linear) </a:t>
             </a:r>
             <a:r>
               <a:rPr lang="ja-JP" altLang="en-US" dirty="0"/>
-              <a:t>など）を簡単に適用できるため、物理的な動きや自然なアニメーション表現が可能になります。</a:t>
+              <a:t>に動かすのではなく、加速・減速・反発・バウンスなどの変化を加える ことで、より自然で美しい動き を実現できます。</a:t>
             </a:r>
             <a:endParaRPr lang="en-US" altLang="ja-JP" dirty="0"/>
-          </a:p>
-          <a:p>
-            <a:pPr>
-              <a:buFont typeface="Arial" panose="020B0604020202020204" pitchFamily="34" charset="0"/>
-              <a:buChar char="•"/>
-            </a:pPr>
-            <a:endParaRPr lang="ja-JP" altLang="en-US" sz="1463" dirty="0"/>
-          </a:p>
-          <a:p>
-            <a:pPr>
-              <a:buFont typeface="Arial" panose="020B0604020202020204" pitchFamily="34" charset="0"/>
-              <a:buChar char="•"/>
-            </a:pPr>
-            <a:r>
-              <a:rPr lang="ja-JP" altLang="en-US" dirty="0"/>
-              <a:t>ゲーム内のオブジェクトが、急加速や減速、反復運動など、リアルな動きを表現するのに役立ちます</a:t>
-            </a:r>
-            <a:r>
-              <a:rPr lang="ja-JP" altLang="en-US" sz="1950" dirty="0"/>
-              <a:t>。</a:t>
-            </a:r>
           </a:p>
         </p:txBody>
       </p:sp>
@@ -8928,7 +8914,7 @@
           <p:nvPr/>
         </p:nvPicPr>
         <p:blipFill>
-          <a:blip r:embed="rId3" cstate="print">
+          <a:blip r:embed="rId2" cstate="print">
             <a:extLst>
               <a:ext uri="{28A0092B-C50C-407E-A947-70E740481C1C}">
                 <a14:useLocalDpi xmlns:a14="http://schemas.microsoft.com/office/drawing/2010/main" val="0"/>
@@ -9035,6 +9021,30 @@
           </a:p>
         </p:txBody>
       </p:sp>
+      <p:pic>
+        <p:nvPicPr>
+          <p:cNvPr id="10" name="図 9"/>
+          <p:cNvPicPr>
+            <a:picLocks noChangeAspect="1"/>
+          </p:cNvPicPr>
+          <p:nvPr/>
+        </p:nvPicPr>
+        <p:blipFill>
+          <a:blip r:embed="rId3"/>
+          <a:stretch>
+            <a:fillRect/>
+          </a:stretch>
+        </p:blipFill>
+        <p:spPr>
+          <a:xfrm>
+            <a:off x="166783" y="1858164"/>
+            <a:ext cx="9422382" cy="1618515"/>
+          </a:xfrm>
+          <a:prstGeom prst="rect">
+            <a:avLst/>
+          </a:prstGeom>
+        </p:spPr>
+      </p:pic>
     </p:spTree>
     <p:extLst>
       <p:ext uri="{BB962C8B-B14F-4D97-AF65-F5344CB8AC3E}">
@@ -9065,69 +9075,80 @@
           <a:chExt cx="0" cy="0"/>
         </a:xfrm>
       </p:grpSpPr>
-      <p:pic>
-        <p:nvPicPr>
-          <p:cNvPr id="2" name="図 1"/>
-          <p:cNvPicPr>
-            <a:picLocks noChangeAspect="1"/>
-          </p:cNvPicPr>
+      <p:sp>
+        <p:nvSpPr>
+          <p:cNvPr id="3" name="正方形/長方形 2"/>
+          <p:cNvSpPr/>
           <p:nvPr/>
-        </p:nvPicPr>
-        <p:blipFill>
-          <a:blip r:embed="rId2"/>
-          <a:stretch>
-            <a:fillRect/>
-          </a:stretch>
-        </p:blipFill>
-        <p:spPr>
-          <a:xfrm>
-            <a:off x="166783" y="3273962"/>
-            <a:ext cx="5198245" cy="2160866"/>
+        </p:nvSpPr>
+        <p:spPr>
+          <a:xfrm>
+            <a:off x="229871" y="1285613"/>
+            <a:ext cx="8779968" cy="461665"/>
           </a:xfrm>
           <a:prstGeom prst="rect">
             <a:avLst/>
           </a:prstGeom>
         </p:spPr>
-      </p:pic>
-      <p:sp>
-        <p:nvSpPr>
-          <p:cNvPr id="3" name="正方形/長方形 2"/>
+        <p:txBody>
+          <a:bodyPr wrap="none">
+            <a:spAutoFit/>
+          </a:bodyPr>
+          <a:lstStyle/>
+          <a:p>
+            <a:r>
+              <a:rPr lang="ja-JP" altLang="en-US" sz="2400" b="1" dirty="0"/>
+              <a:t>コリジョンマネージャーによる柔軟で拡張性の高い衝突処理の実装</a:t>
+            </a:r>
+            <a:endParaRPr lang="en-US" altLang="ja-JP" sz="2400" b="1" dirty="0"/>
+          </a:p>
+        </p:txBody>
+      </p:sp>
+      <p:sp>
+        <p:nvSpPr>
+          <p:cNvPr id="5" name="正方形/長方形 4"/>
           <p:cNvSpPr/>
           <p:nvPr/>
         </p:nvSpPr>
         <p:spPr>
           <a:xfrm>
-            <a:off x="297232" y="1313976"/>
-            <a:ext cx="7409401" cy="642484"/>
+            <a:off x="4946829" y="2929959"/>
+            <a:ext cx="4959171" cy="884858"/>
           </a:xfrm>
           <a:prstGeom prst="rect">
             <a:avLst/>
           </a:prstGeom>
         </p:spPr>
         <p:txBody>
-          <a:bodyPr wrap="none">
+          <a:bodyPr wrap="square">
             <a:spAutoFit/>
           </a:bodyPr>
           <a:lstStyle/>
           <a:p>
             <a:r>
-              <a:rPr lang="ja-JP" altLang="en-US" sz="3575" b="1" dirty="0"/>
-              <a:t>柔軟で拡張性の高い衝突処理を実装</a:t>
-            </a:r>
-            <a:endParaRPr lang="en-US" altLang="ja-JP" sz="3575" b="1" dirty="0"/>
-          </a:p>
-        </p:txBody>
-      </p:sp>
-      <p:sp>
-        <p:nvSpPr>
-          <p:cNvPr id="4" name="正方形/長方形 3"/>
+              <a:rPr lang="ja-JP" altLang="en-US" sz="1950" b="1" dirty="0"/>
+              <a:t>拡張性を考慮したインターフェース設計</a:t>
+            </a:r>
+            <a:endParaRPr lang="ja-JP" altLang="en-US" sz="1950" dirty="0"/>
+          </a:p>
+          <a:p>
+            <a:r>
+              <a:rPr lang="ja-JP" altLang="en-US" sz="1600" dirty="0"/>
+              <a:t>仮想関数とポリモーフィズムを活用し、様々な衝突処理を柔軟に実装可能な設計になっています。</a:t>
+            </a:r>
+          </a:p>
+        </p:txBody>
+      </p:sp>
+      <p:sp>
+        <p:nvSpPr>
+          <p:cNvPr id="6" name="正方形/長方形 5"/>
           <p:cNvSpPr/>
           <p:nvPr/>
         </p:nvSpPr>
         <p:spPr>
           <a:xfrm>
-            <a:off x="5577697" y="2528620"/>
-            <a:ext cx="4240374" cy="1623521"/>
+            <a:off x="229871" y="3237163"/>
+            <a:ext cx="3955661" cy="1246495"/>
           </a:xfrm>
           <a:prstGeom prst="rect">
             <a:avLst/>
@@ -9141,281 +9162,48 @@
           <a:p>
             <a:r>
               <a:rPr lang="ja-JP" altLang="en-US" sz="1950" b="1" dirty="0"/>
-              <a:t>柔軟性</a:t>
-            </a:r>
+              <a:t>ゲーム開発での</a:t>
+            </a:r>
+            <a:r>
+              <a:rPr lang="ja-JP" altLang="en-US" sz="1950" b="1" dirty="0" smtClean="0"/>
+              <a:t>実用性</a:t>
+            </a:r>
+            <a:endParaRPr lang="en-US" altLang="ja-JP" sz="1950" b="1" dirty="0" smtClean="0"/>
+          </a:p>
+          <a:p>
+            <a:r>
+              <a:rPr lang="ja-JP" altLang="en-US" dirty="0">
+                <a:latin typeface="+mn-ea"/>
+              </a:rPr>
+              <a:t>オブジェクトごとに異なる衝突処理を簡単に追加可能 </a:t>
+            </a:r>
+            <a:r>
+              <a:rPr lang="en-US" altLang="ja-JP" dirty="0">
+                <a:latin typeface="+mn-ea"/>
+              </a:rPr>
+              <a:t>(</a:t>
+            </a:r>
+            <a:r>
+              <a:rPr lang="ja-JP" altLang="en-US" dirty="0">
+                <a:latin typeface="+mn-ea"/>
+              </a:rPr>
+              <a:t>拡張性</a:t>
+            </a:r>
+            <a:r>
+              <a:rPr lang="en-US" altLang="ja-JP" dirty="0">
+                <a:latin typeface="+mn-ea"/>
+              </a:rPr>
+              <a:t>UP)</a:t>
+            </a:r>
+            <a:r>
+              <a:rPr lang="ja-JP" altLang="en-US" dirty="0">
+                <a:latin typeface="+mn-ea"/>
+              </a:rPr>
+              <a:t> </a:t>
+            </a:r>
+          </a:p>
+          <a:p>
             <a:endParaRPr lang="ja-JP" altLang="en-US" sz="1950" dirty="0"/>
-          </a:p>
-          <a:p>
-            <a:pPr>
-              <a:buFont typeface="Arial" panose="020B0604020202020204" pitchFamily="34" charset="0"/>
-              <a:buChar char="•"/>
-            </a:pPr>
-            <a:r>
-              <a:rPr lang="ja-JP" altLang="en-US" sz="1600" dirty="0"/>
-              <a:t>仮想関数を使用しているため、個々のオブジェクトごとに衝突やトリガー処理をカスタマイズできます。</a:t>
-            </a:r>
-          </a:p>
-          <a:p>
-            <a:pPr>
-              <a:buFont typeface="Arial" panose="020B0604020202020204" pitchFamily="34" charset="0"/>
-              <a:buChar char="•"/>
-            </a:pPr>
-            <a:r>
-              <a:rPr lang="ja-JP" altLang="en-US" sz="1600" dirty="0"/>
-              <a:t>例えば、プレイヤーと敵、アイテムなど異なる</a:t>
-            </a:r>
-            <a:endParaRPr lang="en-US" altLang="ja-JP" sz="1600" dirty="0"/>
-          </a:p>
-          <a:p>
-            <a:r>
-              <a:rPr lang="ja-JP" altLang="en-US" sz="1600" dirty="0"/>
-              <a:t>  オブジェクトに応じた衝突処理が可能です。</a:t>
-            </a:r>
-          </a:p>
-        </p:txBody>
-      </p:sp>
-      <p:sp>
-        <p:nvSpPr>
-          <p:cNvPr id="5" name="正方形/長方形 4"/>
-          <p:cNvSpPr/>
-          <p:nvPr/>
-        </p:nvSpPr>
-        <p:spPr>
-          <a:xfrm>
-            <a:off x="297232" y="2172782"/>
-            <a:ext cx="4655768" cy="884858"/>
-          </a:xfrm>
-          <a:prstGeom prst="rect">
-            <a:avLst/>
-          </a:prstGeom>
-        </p:spPr>
-        <p:txBody>
-          <a:bodyPr wrap="square">
-            <a:spAutoFit/>
-          </a:bodyPr>
-          <a:lstStyle/>
-          <a:p>
-            <a:r>
-              <a:rPr lang="ja-JP" altLang="en-US" sz="1950" b="1" dirty="0"/>
-              <a:t>拡張性を考慮したインターフェース設計</a:t>
-            </a:r>
-            <a:endParaRPr lang="ja-JP" altLang="en-US" sz="1950" dirty="0"/>
-          </a:p>
-          <a:p>
-            <a:r>
-              <a:rPr lang="ja-JP" altLang="en-US" sz="1600" dirty="0"/>
-              <a:t>仮想関数とポリモーフィズムを活用し、様々な衝突処理を柔軟に実装可能な設計になっています。</a:t>
-            </a:r>
-          </a:p>
-        </p:txBody>
-      </p:sp>
-      <p:sp>
-        <p:nvSpPr>
-          <p:cNvPr id="6" name="正方形/長方形 5"/>
-          <p:cNvSpPr/>
-          <p:nvPr/>
-        </p:nvSpPr>
-        <p:spPr>
-          <a:xfrm>
-            <a:off x="5596553" y="4354395"/>
-            <a:ext cx="3955661" cy="1131079"/>
-          </a:xfrm>
-          <a:prstGeom prst="rect">
-            <a:avLst/>
-          </a:prstGeom>
-        </p:spPr>
-        <p:txBody>
-          <a:bodyPr wrap="square">
-            <a:spAutoFit/>
-          </a:bodyPr>
-          <a:lstStyle/>
-          <a:p>
-            <a:r>
-              <a:rPr lang="ja-JP" altLang="en-US" sz="1950" b="1" dirty="0"/>
-              <a:t>ゲーム開発での実用性</a:t>
-            </a:r>
-            <a:endParaRPr lang="ja-JP" altLang="en-US" sz="1950" dirty="0"/>
-          </a:p>
-          <a:p>
-            <a:r>
-              <a:rPr lang="ja-JP" altLang="en-US" sz="1600" dirty="0"/>
-              <a:t>衝突やトリガーイベントはゲームにおいて重要な要素であり、このコードはそれを効率的に処理できる構造を持っています。</a:t>
-            </a:r>
-          </a:p>
-        </p:txBody>
-      </p:sp>
-      <p:pic>
-        <p:nvPicPr>
-          <p:cNvPr id="7" name="図 6"/>
-          <p:cNvPicPr>
-            <a:picLocks noChangeAspect="1"/>
-          </p:cNvPicPr>
-          <p:nvPr/>
-        </p:nvPicPr>
-        <p:blipFill>
-          <a:blip r:embed="rId3" cstate="print">
-            <a:extLst>
-              <a:ext uri="{28A0092B-C50C-407E-A947-70E740481C1C}">
-                <a14:useLocalDpi xmlns:a14="http://schemas.microsoft.com/office/drawing/2010/main" val="0"/>
-              </a:ext>
-            </a:extLst>
-          </a:blip>
-          <a:stretch>
-            <a:fillRect/>
-          </a:stretch>
-        </p:blipFill>
-        <p:spPr>
-          <a:xfrm>
-            <a:off x="8201608" y="60887"/>
-            <a:ext cx="1616463" cy="909261"/>
-          </a:xfrm>
-          <a:prstGeom prst="rect">
-            <a:avLst/>
-          </a:prstGeom>
-        </p:spPr>
-      </p:pic>
-      <p:cxnSp>
-        <p:nvCxnSpPr>
-          <p:cNvPr id="8" name="直線コネクタ 7"/>
-          <p:cNvCxnSpPr/>
-          <p:nvPr/>
-        </p:nvCxnSpPr>
-        <p:spPr>
-          <a:xfrm>
-            <a:off x="166784" y="925820"/>
-            <a:ext cx="9385430" cy="0"/>
-          </a:xfrm>
-          <a:prstGeom prst="line">
-            <a:avLst/>
-          </a:prstGeom>
-        </p:spPr>
-        <p:style>
-          <a:lnRef idx="3">
-            <a:schemeClr val="dk1"/>
-          </a:lnRef>
-          <a:fillRef idx="0">
-            <a:schemeClr val="dk1"/>
-          </a:fillRef>
-          <a:effectRef idx="2">
-            <a:schemeClr val="dk1"/>
-          </a:effectRef>
-          <a:fontRef idx="minor">
-            <a:schemeClr val="tx1"/>
-          </a:fontRef>
-        </p:style>
-      </p:cxnSp>
-      <p:sp>
-        <p:nvSpPr>
-          <p:cNvPr id="9" name="タイトル 1"/>
-          <p:cNvSpPr txBox="1">
-            <a:spLocks/>
-          </p:cNvSpPr>
-          <p:nvPr/>
-        </p:nvSpPr>
-        <p:spPr>
-          <a:xfrm>
-            <a:off x="166783" y="313753"/>
-            <a:ext cx="4143960" cy="535682"/>
-          </a:xfrm>
-          <a:prstGeom prst="rect">
-            <a:avLst/>
-          </a:prstGeom>
-        </p:spPr>
-        <p:txBody>
-          <a:bodyPr/>
-          <a:lstStyle>
-            <a:lvl1pPr algn="l" defTabSz="914400" rtl="0" eaLnBrk="1" latinLnBrk="0" hangingPunct="1">
-              <a:lnSpc>
-                <a:spcPct val="85000"/>
-              </a:lnSpc>
-              <a:spcBef>
-                <a:spcPct val="0"/>
-              </a:spcBef>
-              <a:buNone/>
-              <a:defRPr kumimoji="1" sz="4800" kern="1200" spc="-50" baseline="0">
-                <a:solidFill>
-                  <a:schemeClr val="tx1">
-                    <a:lumMod val="75000"/>
-                    <a:lumOff val="25000"/>
-                  </a:schemeClr>
-                </a:solidFill>
-                <a:latin typeface="+mj-lt"/>
-                <a:ea typeface="+mj-ea"/>
-                <a:cs typeface="+mj-cs"/>
-              </a:defRPr>
-            </a:lvl1pPr>
-          </a:lstStyle>
-          <a:p>
-            <a:r>
-              <a:rPr lang="en-US" altLang="ja-JP" sz="3900" b="1" dirty="0" smtClean="0">
-                <a:latin typeface="+mn-ea"/>
-                <a:ea typeface="+mn-ea"/>
-              </a:rPr>
-              <a:t>BALLOON</a:t>
-            </a:r>
-            <a:endParaRPr lang="en-US" altLang="ja-JP" sz="3900" b="1" dirty="0">
-              <a:latin typeface="+mn-ea"/>
-              <a:ea typeface="+mn-ea"/>
-            </a:endParaRPr>
-          </a:p>
-        </p:txBody>
-      </p:sp>
-    </p:spTree>
-    <p:extLst>
-      <p:ext uri="{BB962C8B-B14F-4D97-AF65-F5344CB8AC3E}">
-        <p14:creationId xmlns:p14="http://schemas.microsoft.com/office/powerpoint/2010/main" val="1804597328"/>
-      </p:ext>
-    </p:extLst>
-  </p:cSld>
-  <p:clrMapOvr>
-    <a:masterClrMapping/>
-  </p:clrMapOvr>
-</p:sld>
-</file>
-
-<file path=ppt/slides/slide5.xml><?xml version="1.0" encoding="utf-8"?>
-<p:sld xmlns:a="http://schemas.openxmlformats.org/drawingml/2006/main" xmlns:r="http://schemas.openxmlformats.org/officeDocument/2006/relationships" xmlns:p="http://schemas.openxmlformats.org/presentationml/2006/main">
-  <p:cSld>
-    <p:spTree>
-      <p:nvGrpSpPr>
-        <p:cNvPr id="1" name=""/>
-        <p:cNvGrpSpPr/>
-        <p:nvPr/>
-      </p:nvGrpSpPr>
-      <p:grpSpPr>
-        <a:xfrm>
-          <a:off x="0" y="0"/>
-          <a:ext cx="0" cy="0"/>
-          <a:chOff x="0" y="0"/>
-          <a:chExt cx="0" cy="0"/>
-        </a:xfrm>
-      </p:grpSpPr>
-      <p:sp>
-        <p:nvSpPr>
-          <p:cNvPr id="3" name="正方形/長方形 2"/>
-          <p:cNvSpPr/>
-          <p:nvPr/>
-        </p:nvSpPr>
-        <p:spPr>
-          <a:xfrm>
-            <a:off x="297232" y="1313976"/>
-            <a:ext cx="8305479" cy="642484"/>
-          </a:xfrm>
-          <a:prstGeom prst="rect">
-            <a:avLst/>
-          </a:prstGeom>
-        </p:spPr>
-        <p:txBody>
-          <a:bodyPr wrap="none">
-            <a:spAutoFit/>
-          </a:bodyPr>
-          <a:lstStyle/>
-          <a:p>
-            <a:r>
-              <a:rPr lang="ja-JP" altLang="en-US" sz="3575" b="1" dirty="0"/>
-              <a:t>非同期シーンロードによる高速シーン遷移</a:t>
-            </a:r>
-            <a:endParaRPr lang="en-US" altLang="ja-JP" sz="3575" b="1" dirty="0"/>
           </a:p>
         </p:txBody>
       </p:sp>
@@ -9535,77 +9323,18 @@
           </a:p>
         </p:txBody>
       </p:sp>
-      <p:pic>
-        <p:nvPicPr>
-          <p:cNvPr id="11" name="図 10"/>
-          <p:cNvPicPr>
-            <a:picLocks noChangeAspect="1"/>
-          </p:cNvPicPr>
+      <p:sp>
+        <p:nvSpPr>
+          <p:cNvPr id="13" name="Rectangle 4"/>
+          <p:cNvSpPr>
+            <a:spLocks noChangeArrowheads="1"/>
+          </p:cNvSpPr>
           <p:nvPr/>
-        </p:nvPicPr>
-        <p:blipFill>
-          <a:blip r:embed="rId3"/>
-          <a:stretch>
-            <a:fillRect/>
-          </a:stretch>
-        </p:blipFill>
-        <p:spPr>
-          <a:xfrm>
-            <a:off x="297232" y="2395195"/>
-            <a:ext cx="4334480" cy="1800476"/>
-          </a:xfrm>
-          <a:prstGeom prst="rect">
-            <a:avLst/>
-          </a:prstGeom>
-        </p:spPr>
-      </p:pic>
-      <p:sp>
-        <p:nvSpPr>
-          <p:cNvPr id="12" name="正方形/長方形 11"/>
-          <p:cNvSpPr/>
-          <p:nvPr/>
-        </p:nvSpPr>
-        <p:spPr>
-          <a:xfrm>
-            <a:off x="4859499" y="2629149"/>
-            <a:ext cx="4953000" cy="1200329"/>
-          </a:xfrm>
-          <a:prstGeom prst="rect">
-            <a:avLst/>
-          </a:prstGeom>
-        </p:spPr>
-        <p:txBody>
-          <a:bodyPr>
-            <a:spAutoFit/>
-          </a:bodyPr>
-          <a:lstStyle/>
-          <a:p>
-            <a:r>
-              <a:rPr lang="ja-JP" altLang="en-US" dirty="0"/>
-              <a:t>フェードアウト中に次のシーンを非同期で初期化し、遷移時間を短縮する技術を実装。</a:t>
-            </a:r>
-            <a:br>
-              <a:rPr lang="ja-JP" altLang="en-US" dirty="0"/>
-            </a:br>
-            <a:r>
-              <a:rPr lang="ja-JP" altLang="en-US" dirty="0"/>
-              <a:t>ユーザーに「ロードを感じさせないスムーズな遷移」を提供します。</a:t>
-            </a:r>
-          </a:p>
-        </p:txBody>
-      </p:sp>
-      <p:sp>
-        <p:nvSpPr>
-          <p:cNvPr id="13" name="Rectangle 1"/>
-          <p:cNvSpPr>
-            <a:spLocks noChangeArrowheads="1"/>
-          </p:cNvSpPr>
-          <p:nvPr/>
         </p:nvSpPr>
         <p:spPr bwMode="auto">
           <a:xfrm>
-            <a:off x="297232" y="4868360"/>
-            <a:ext cx="6825908" cy="369332"/>
+            <a:off x="229871" y="1780490"/>
+            <a:ext cx="10142375" cy="646331"/>
           </a:xfrm>
           <a:prstGeom prst="rect">
             <a:avLst/>
@@ -9645,7 +9374,7 @@
           </a:extLst>
         </p:spPr>
         <p:txBody>
-          <a:bodyPr vert="horz" wrap="none" lIns="91440" tIns="45720" rIns="91440" bIns="45720" numCol="1" anchor="ctr" anchorCtr="0" compatLnSpc="1">
+          <a:bodyPr vert="horz" wrap="square" lIns="91440" tIns="45720" rIns="91440" bIns="45720" numCol="1" anchor="ctr" anchorCtr="0" compatLnSpc="1">
             <a:prstTxWarp prst="textNoShape">
               <a:avLst/>
             </a:prstTxWarp>
@@ -9653,122 +9382,206 @@
           </a:bodyPr>
           <a:lstStyle/>
           <a:p>
-            <a:pPr marL="0" marR="0" lvl="0" indent="0" algn="l" defTabSz="914400" rtl="0" eaLnBrk="0" fontAlgn="base" latinLnBrk="0" hangingPunct="0">
-              <a:lnSpc>
-                <a:spcPct val="100000"/>
-              </a:lnSpc>
+            <a:pPr lvl="0" eaLnBrk="0" fontAlgn="base" hangingPunct="0">
               <a:spcBef>
                 <a:spcPct val="0"/>
               </a:spcBef>
               <a:spcAft>
                 <a:spcPct val="0"/>
               </a:spcAft>
-              <a:buClrTx/>
-              <a:buSzTx/>
-              <a:buFontTx/>
-              <a:buNone/>
-              <a:tabLst/>
             </a:pPr>
             <a:r>
-              <a:rPr kumimoji="0" lang="ja-JP" altLang="ja-JP" sz="1800" b="1" i="0" u="none" strike="noStrike" cap="none" normalizeH="0" baseline="0" dirty="0" smtClean="0">
-                <a:ln>
-                  <a:noFill/>
-                </a:ln>
-                <a:solidFill>
-                  <a:schemeClr val="tx1"/>
-                </a:solidFill>
-                <a:effectLst/>
-                <a:latin typeface="+mn-ea"/>
+              <a:rPr kumimoji="0" lang="ja-JP" altLang="en-US" dirty="0">
+                <a:latin typeface="Arial" panose="020B0604020202020204" pitchFamily="34" charset="0"/>
               </a:rPr>
-              <a:t>非同期処理 </a:t>
-            </a:r>
-            <a:r>
-              <a:rPr kumimoji="0" lang="ja-JP" altLang="ja-JP" sz="1800" b="0" i="0" u="none" strike="noStrike" cap="none" normalizeH="0" baseline="0" dirty="0" smtClean="0">
-                <a:ln>
-                  <a:noFill/>
-                </a:ln>
-                <a:solidFill>
-                  <a:schemeClr val="tx1"/>
-                </a:solidFill>
-                <a:effectLst/>
-                <a:latin typeface="+mn-ea"/>
+              <a:t>オブザーバーパターンを使用</a:t>
+            </a:r>
+            <a:r>
+              <a:rPr kumimoji="0" lang="ja-JP" altLang="en-US" dirty="0" smtClean="0">
+                <a:latin typeface="Arial" panose="020B0604020202020204" pitchFamily="34" charset="0"/>
               </a:rPr>
-              <a:t>利用し、</a:t>
-            </a:r>
-            <a:r>
-              <a:rPr kumimoji="0" lang="ja-JP" altLang="ja-JP" sz="1800" b="1" i="0" u="none" strike="noStrike" cap="none" normalizeH="0" baseline="0" dirty="0" smtClean="0">
-                <a:ln>
-                  <a:noFill/>
-                </a:ln>
-                <a:solidFill>
-                  <a:schemeClr val="tx1"/>
-                </a:solidFill>
-                <a:effectLst/>
-                <a:latin typeface="+mn-ea"/>
+              <a:t>して、</a:t>
+            </a:r>
+            <a:endParaRPr kumimoji="0" lang="en-US" altLang="ja-JP" dirty="0" smtClean="0">
+              <a:latin typeface="Arial" panose="020B0604020202020204" pitchFamily="34" charset="0"/>
+            </a:endParaRPr>
+          </a:p>
+          <a:p>
+            <a:pPr lvl="0" eaLnBrk="0" fontAlgn="base" hangingPunct="0">
+              <a:spcBef>
+                <a:spcPct val="0"/>
+              </a:spcBef>
+              <a:spcAft>
+                <a:spcPct val="0"/>
+              </a:spcAft>
+            </a:pPr>
+            <a:r>
+              <a:rPr kumimoji="0" lang="en-US" altLang="ja-JP" dirty="0" smtClean="0">
+                <a:latin typeface="Arial" panose="020B0604020202020204" pitchFamily="34" charset="0"/>
               </a:rPr>
-              <a:t>次のシーンをバックグラウンドで作成＆初期化</a:t>
-            </a:r>
-            <a:r>
-              <a:rPr kumimoji="0" lang="ja-JP" altLang="ja-JP" sz="1800" b="0" i="0" u="none" strike="noStrike" cap="none" normalizeH="0" baseline="0" dirty="0" smtClean="0">
-                <a:ln>
-                  <a:noFill/>
-                </a:ln>
-                <a:solidFill>
-                  <a:schemeClr val="tx1"/>
-                </a:solidFill>
-                <a:effectLst/>
-                <a:latin typeface="+mn-ea"/>
+              <a:t>Unity</a:t>
+            </a:r>
+            <a:r>
+              <a:rPr kumimoji="0" lang="ja-JP" altLang="en-US" dirty="0" smtClean="0">
+                <a:latin typeface="Arial" panose="020B0604020202020204" pitchFamily="34" charset="0"/>
               </a:rPr>
-              <a:t> </a:t>
-            </a:r>
-          </a:p>
-        </p:txBody>
-      </p:sp>
-      <p:sp>
-        <p:nvSpPr>
-          <p:cNvPr id="15" name="正方形/長方形 14"/>
-          <p:cNvSpPr/>
+              <a:t>の</a:t>
+            </a:r>
+            <a:r>
+              <a:rPr kumimoji="0" lang="en-US" altLang="ja-JP" dirty="0" err="1" smtClean="0">
+                <a:latin typeface="Arial" panose="020B0604020202020204" pitchFamily="34" charset="0"/>
+              </a:rPr>
+              <a:t>OnCollisionEnter</a:t>
+            </a:r>
+            <a:r>
+              <a:rPr kumimoji="0" lang="ja-JP" altLang="en-US" dirty="0" err="1" smtClean="0">
+                <a:latin typeface="Arial" panose="020B0604020202020204" pitchFamily="34" charset="0"/>
+              </a:rPr>
+              <a:t>のような</a:t>
+            </a:r>
+            <a:r>
+              <a:rPr kumimoji="0" lang="ja-JP" altLang="en-US" dirty="0">
+                <a:latin typeface="Arial" panose="020B0604020202020204" pitchFamily="34" charset="0"/>
+              </a:rPr>
+              <a:t>衝突処理システムを実装しました。</a:t>
+            </a:r>
+            <a:endParaRPr kumimoji="0" lang="ja-JP" altLang="ja-JP" sz="1800" b="0" i="0" u="none" strike="noStrike" cap="none" normalizeH="0" baseline="0" dirty="0" smtClean="0">
+              <a:ln>
+                <a:noFill/>
+              </a:ln>
+              <a:solidFill>
+                <a:schemeClr val="tx1"/>
+              </a:solidFill>
+              <a:effectLst/>
+              <a:latin typeface="Arial" panose="020B0604020202020204" pitchFamily="34" charset="0"/>
+            </a:endParaRPr>
+          </a:p>
+        </p:txBody>
+      </p:sp>
+      <p:pic>
+        <p:nvPicPr>
+          <p:cNvPr id="14" name="図 13"/>
+          <p:cNvPicPr>
+            <a:picLocks noChangeAspect="1"/>
+          </p:cNvPicPr>
           <p:nvPr/>
-        </p:nvSpPr>
-        <p:spPr>
-          <a:xfrm>
-            <a:off x="297232" y="5343187"/>
-            <a:ext cx="6825908" cy="369332"/>
+        </p:nvPicPr>
+        <p:blipFill>
+          <a:blip r:embed="rId3"/>
+          <a:stretch>
+            <a:fillRect/>
+          </a:stretch>
+        </p:blipFill>
+        <p:spPr>
+          <a:xfrm>
+            <a:off x="5722630" y="3891382"/>
+            <a:ext cx="3829584" cy="2629267"/>
           </a:xfrm>
           <a:prstGeom prst="rect">
             <a:avLst/>
           </a:prstGeom>
         </p:spPr>
-        <p:txBody>
-          <a:bodyPr wrap="square">
+      </p:pic>
+      <p:sp>
+        <p:nvSpPr>
+          <p:cNvPr id="16" name="正方形/長方形 15"/>
+          <p:cNvSpPr/>
+          <p:nvPr/>
+        </p:nvSpPr>
+        <p:spPr>
+          <a:xfrm>
+            <a:off x="229871" y="4423902"/>
+            <a:ext cx="5170005" cy="1477328"/>
+          </a:xfrm>
+          <a:prstGeom prst="rect">
+            <a:avLst/>
+          </a:prstGeom>
+        </p:spPr>
+        <p:txBody>
+          <a:bodyPr wrap="none">
             <a:spAutoFit/>
           </a:bodyPr>
           <a:lstStyle/>
           <a:p>
             <a:r>
+              <a:rPr lang="ja-JP" altLang="en-US" b="1" dirty="0"/>
+              <a:t>コリジョンマネージャーの</a:t>
+            </a:r>
+            <a:r>
+              <a:rPr lang="ja-JP" altLang="en-US" b="1" dirty="0" smtClean="0"/>
+              <a:t>役割</a:t>
+            </a:r>
+            <a:endParaRPr lang="en-US" altLang="ja-JP" b="1" dirty="0" smtClean="0"/>
+          </a:p>
+          <a:p>
+            <a:pPr marL="285750" indent="-285750">
+              <a:buFont typeface="Arial" panose="020B0604020202020204" pitchFamily="34" charset="0"/>
+              <a:buChar char="•"/>
+            </a:pPr>
+            <a:r>
               <a:rPr lang="ja-JP" altLang="en-US" dirty="0"/>
-              <a:t>フェードアウト中にロードすることで、</a:t>
-            </a:r>
-            <a:r>
-              <a:rPr lang="ja-JP" altLang="en-US" b="1" dirty="0"/>
-              <a:t>視覚的</a:t>
-            </a:r>
-            <a:r>
-              <a:rPr lang="ja-JP" altLang="en-US" b="1" dirty="0" smtClean="0"/>
-              <a:t>な待機</a:t>
-            </a:r>
-            <a:r>
-              <a:rPr lang="ja-JP" altLang="en-US" b="1" dirty="0"/>
-              <a:t>時間をゼロに</a:t>
-            </a:r>
-            <a:endParaRPr lang="ja-JP" altLang="en-US" dirty="0"/>
+              <a:t>オブジェクトを管理し、毎フレーム衝突判定を</a:t>
+            </a:r>
+            <a:r>
+              <a:rPr lang="ja-JP" altLang="en-US" dirty="0" smtClean="0"/>
+              <a:t>行う</a:t>
+            </a:r>
+            <a:endParaRPr lang="en-US" altLang="ja-JP" dirty="0" smtClean="0"/>
+          </a:p>
+          <a:p>
+            <a:pPr marL="285750" indent="-285750">
+              <a:buFont typeface="Arial" panose="020B0604020202020204" pitchFamily="34" charset="0"/>
+              <a:buChar char="•"/>
+            </a:pPr>
+            <a:r>
+              <a:rPr lang="ja-JP" altLang="en-US" dirty="0"/>
+              <a:t>衝突が検出された場合、該当オブジェクトに</a:t>
+            </a:r>
+            <a:r>
+              <a:rPr lang="ja-JP" altLang="en-US" dirty="0" smtClean="0"/>
+              <a:t>通知</a:t>
+            </a:r>
+            <a:endParaRPr lang="en-US" altLang="ja-JP" dirty="0" smtClean="0"/>
+          </a:p>
+          <a:p>
+            <a:pPr marL="285750" indent="-285750">
+              <a:buFont typeface="Arial" panose="020B0604020202020204" pitchFamily="34" charset="0"/>
+              <a:buChar char="•"/>
+            </a:pPr>
+            <a:r>
+              <a:rPr lang="ja-JP" altLang="en-US" dirty="0" smtClean="0"/>
+              <a:t>オブジェクトが</a:t>
+            </a:r>
+            <a:r>
+              <a:rPr lang="en-US" altLang="ja-JP" dirty="0" err="1" smtClean="0"/>
+              <a:t>OnCollisionEnter</a:t>
+            </a:r>
+            <a:r>
+              <a:rPr lang="ja-JP" altLang="en-US" dirty="0"/>
+              <a:t>など</a:t>
+            </a:r>
+            <a:r>
+              <a:rPr lang="ja-JP" altLang="en-US" dirty="0" smtClean="0"/>
+              <a:t>の</a:t>
+            </a:r>
+            <a:endParaRPr lang="en-US" altLang="ja-JP" dirty="0"/>
+          </a:p>
+          <a:p>
+            <a:r>
+              <a:rPr lang="ja-JP" altLang="en-US" dirty="0" smtClean="0"/>
+              <a:t>　　処理</a:t>
+            </a:r>
+            <a:r>
+              <a:rPr lang="ja-JP" altLang="en-US" dirty="0"/>
+              <a:t>を個別に実行</a:t>
+            </a:r>
           </a:p>
         </p:txBody>
       </p:sp>
     </p:spTree>
     <p:extLst>
       <p:ext uri="{BB962C8B-B14F-4D97-AF65-F5344CB8AC3E}">
-        <p14:creationId xmlns:p14="http://schemas.microsoft.com/office/powerpoint/2010/main" val="2835414915"/>
+        <p14:creationId xmlns:p14="http://schemas.microsoft.com/office/powerpoint/2010/main" val="1804597328"/>
       </p:ext>
     </p:extLst>
   </p:cSld>
@@ -9778,7 +9591,7 @@
 </p:sld>
 </file>
 
-<file path=ppt/slides/slide6.xml><?xml version="1.0" encoding="utf-8"?>
+<file path=ppt/slides/slide5.xml><?xml version="1.0" encoding="utf-8"?>
 <p:sld xmlns:a="http://schemas.openxmlformats.org/drawingml/2006/main" xmlns:r="http://schemas.openxmlformats.org/officeDocument/2006/relationships" xmlns:p="http://schemas.openxmlformats.org/presentationml/2006/main">
   <p:cSld>
     <p:spTree>
@@ -10128,7 +9941,7 @@
 </p:sld>
 </file>
 
-<file path=ppt/slides/slide7.xml><?xml version="1.0" encoding="utf-8"?>
+<file path=ppt/slides/slide6.xml><?xml version="1.0" encoding="utf-8"?>
 <p:sld xmlns:a="http://schemas.openxmlformats.org/drawingml/2006/main" xmlns:r="http://schemas.openxmlformats.org/officeDocument/2006/relationships" xmlns:p="http://schemas.openxmlformats.org/presentationml/2006/main">
   <p:cSld>
     <p:spTree>
